--- a/graduate_research/poster2.pptx
+++ b/graduate_research/poster2.pptx
@@ -286,7 +286,7 @@
           <a:p>
             <a:fld id="{273F18F6-195B-462E-B790-24C6E26F9CE1}" type="datetimeFigureOut">
               <a:rPr lang="en-US" smtClean="0"/>
-              <a:t>3/28/2019</a:t>
+              <a:t>3/29/2019</a:t>
             </a:fld>
             <a:endParaRPr lang="en-US"/>
           </a:p>
@@ -456,7 +456,7 @@
           <a:p>
             <a:fld id="{273F18F6-195B-462E-B790-24C6E26F9CE1}" type="datetimeFigureOut">
               <a:rPr lang="en-US" smtClean="0"/>
-              <a:t>3/28/2019</a:t>
+              <a:t>3/29/2019</a:t>
             </a:fld>
             <a:endParaRPr lang="en-US"/>
           </a:p>
@@ -636,7 +636,7 @@
           <a:p>
             <a:fld id="{273F18F6-195B-462E-B790-24C6E26F9CE1}" type="datetimeFigureOut">
               <a:rPr lang="en-US" smtClean="0"/>
-              <a:t>3/28/2019</a:t>
+              <a:t>3/29/2019</a:t>
             </a:fld>
             <a:endParaRPr lang="en-US"/>
           </a:p>
@@ -806,7 +806,7 @@
           <a:p>
             <a:fld id="{273F18F6-195B-462E-B790-24C6E26F9CE1}" type="datetimeFigureOut">
               <a:rPr lang="en-US" smtClean="0"/>
-              <a:t>3/28/2019</a:t>
+              <a:t>3/29/2019</a:t>
             </a:fld>
             <a:endParaRPr lang="en-US"/>
           </a:p>
@@ -1066,7 +1066,7 @@
           <a:p>
             <a:fld id="{273F18F6-195B-462E-B790-24C6E26F9CE1}" type="datetimeFigureOut">
               <a:rPr lang="en-US" smtClean="0"/>
-              <a:t>3/28/2019</a:t>
+              <a:t>3/29/2019</a:t>
             </a:fld>
             <a:endParaRPr lang="en-US"/>
           </a:p>
@@ -1298,7 +1298,7 @@
           <a:p>
             <a:fld id="{273F18F6-195B-462E-B790-24C6E26F9CE1}" type="datetimeFigureOut">
               <a:rPr lang="en-US" smtClean="0"/>
-              <a:t>3/28/2019</a:t>
+              <a:t>3/29/2019</a:t>
             </a:fld>
             <a:endParaRPr lang="en-US"/>
           </a:p>
@@ -1657,7 +1657,7 @@
           <a:p>
             <a:fld id="{273F18F6-195B-462E-B790-24C6E26F9CE1}" type="datetimeFigureOut">
               <a:rPr lang="en-US" smtClean="0"/>
-              <a:t>3/28/2019</a:t>
+              <a:t>3/29/2019</a:t>
             </a:fld>
             <a:endParaRPr lang="en-US"/>
           </a:p>
@@ -1798,7 +1798,7 @@
           <a:p>
             <a:fld id="{273F18F6-195B-462E-B790-24C6E26F9CE1}" type="datetimeFigureOut">
               <a:rPr lang="en-US" smtClean="0"/>
-              <a:t>3/28/2019</a:t>
+              <a:t>3/29/2019</a:t>
             </a:fld>
             <a:endParaRPr lang="en-US"/>
           </a:p>
@@ -1893,7 +1893,7 @@
           <a:p>
             <a:fld id="{273F18F6-195B-462E-B790-24C6E26F9CE1}" type="datetimeFigureOut">
               <a:rPr lang="en-US" smtClean="0"/>
-              <a:t>3/28/2019</a:t>
+              <a:t>3/29/2019</a:t>
             </a:fld>
             <a:endParaRPr lang="en-US"/>
           </a:p>
@@ -2250,7 +2250,7 @@
           <a:p>
             <a:fld id="{273F18F6-195B-462E-B790-24C6E26F9CE1}" type="datetimeFigureOut">
               <a:rPr lang="en-US" smtClean="0"/>
-              <a:t>3/28/2019</a:t>
+              <a:t>3/29/2019</a:t>
             </a:fld>
             <a:endParaRPr lang="en-US"/>
           </a:p>
@@ -2609,7 +2609,7 @@
           <a:p>
             <a:fld id="{273F18F6-195B-462E-B790-24C6E26F9CE1}" type="datetimeFigureOut">
               <a:rPr lang="en-US" smtClean="0"/>
-              <a:t>3/28/2019</a:t>
+              <a:t>3/29/2019</a:t>
             </a:fld>
             <a:endParaRPr lang="en-US"/>
           </a:p>
@@ -2868,7 +2868,7 @@
           <a:p>
             <a:fld id="{273F18F6-195B-462E-B790-24C6E26F9CE1}" type="datetimeFigureOut">
               <a:rPr lang="en-US" smtClean="0"/>
-              <a:t>3/28/2019</a:t>
+              <a:t>3/29/2019</a:t>
             </a:fld>
             <a:endParaRPr lang="en-US"/>
           </a:p>
@@ -3416,7 +3416,7 @@
         </p:nvSpPr>
         <p:spPr>
           <a:xfrm>
-            <a:off x="11979228" y="14368779"/>
+            <a:off x="12009077" y="13671880"/>
             <a:ext cx="19865836" cy="3416320"/>
           </a:xfrm>
           <a:prstGeom prst="rect">
@@ -3452,7 +3452,7 @@
           <a:p>
             <a:pPr algn="ctr"/>
             <a:r>
-              <a:rPr lang="en-US" sz="10800" b="1" dirty="0">
+              <a:rPr lang="en-US" sz="10800" b="1" dirty="0" smtClean="0">
                 <a:ln>
                   <a:solidFill>
                     <a:schemeClr val="bg1"/>
@@ -3463,6 +3463,15 @@
               </a:rPr>
               <a:t>A Data Management Story</a:t>
             </a:r>
+            <a:endParaRPr lang="en-US" sz="10800" b="1" dirty="0">
+              <a:ln>
+                <a:solidFill>
+                  <a:schemeClr val="bg1"/>
+                </a:solidFill>
+              </a:ln>
+              <a:latin typeface="Arial" panose="020B0604020202020204" pitchFamily="34" charset="0"/>
+              <a:cs typeface="Arial" panose="020B0604020202020204" pitchFamily="34" charset="0"/>
+            </a:endParaRPr>
           </a:p>
         </p:txBody>
       </p:sp>
@@ -4301,6 +4310,149 @@
           </a:prstGeom>
         </p:spPr>
       </p:pic>
+      <p:sp>
+        <p:nvSpPr>
+          <p:cNvPr id="13" name="TextBox 12">
+            <a:extLst>
+              <a:ext uri="{FF2B5EF4-FFF2-40B4-BE49-F238E27FC236}">
+                <a16:creationId xmlns:a16="http://schemas.microsoft.com/office/drawing/2014/main" id="{1940000C-8F8E-46C3-B1E3-382C8FAFC52E}"/>
+              </a:ext>
+            </a:extLst>
+          </p:cNvPr>
+          <p:cNvSpPr txBox="1"/>
+          <p:nvPr/>
+        </p:nvSpPr>
+        <p:spPr>
+          <a:xfrm>
+            <a:off x="13232348" y="17504435"/>
+            <a:ext cx="17419293" cy="1246495"/>
+          </a:xfrm>
+          <a:prstGeom prst="rect">
+            <a:avLst/>
+          </a:prstGeom>
+          <a:noFill/>
+          <a:ln>
+            <a:solidFill>
+              <a:schemeClr val="bg1"/>
+            </a:solidFill>
+          </a:ln>
+        </p:spPr>
+        <p:txBody>
+          <a:bodyPr wrap="square" rtlCol="0">
+            <a:spAutoFit/>
+          </a:bodyPr>
+          <a:lstStyle/>
+          <a:p>
+            <a:pPr algn="ctr"/>
+            <a:r>
+              <a:rPr lang="en-US" sz="7500" b="1" dirty="0" smtClean="0">
+                <a:ln>
+                  <a:solidFill>
+                    <a:schemeClr val="bg1"/>
+                  </a:solidFill>
+                </a:ln>
+                <a:latin typeface="Arial" panose="020B0604020202020204" pitchFamily="34" charset="0"/>
+                <a:cs typeface="Arial" panose="020B0604020202020204" pitchFamily="34" charset="0"/>
+              </a:rPr>
+              <a:t>Authors: Melissa Moreno, Dr. </a:t>
+            </a:r>
+            <a:r>
+              <a:rPr lang="en-US" sz="7500" b="1" dirty="0" smtClean="0">
+                <a:ln>
+                  <a:solidFill>
+                    <a:schemeClr val="bg1"/>
+                  </a:solidFill>
+                </a:ln>
+                <a:latin typeface="Arial" panose="020B0604020202020204" pitchFamily="34" charset="0"/>
+                <a:cs typeface="Arial" panose="020B0604020202020204" pitchFamily="34" charset="0"/>
+              </a:rPr>
+              <a:t>Bill Pine</a:t>
+            </a:r>
+            <a:endParaRPr lang="en-US" sz="7500" b="1" dirty="0">
+              <a:ln>
+                <a:solidFill>
+                  <a:schemeClr val="bg1"/>
+                </a:solidFill>
+              </a:ln>
+              <a:latin typeface="Arial" panose="020B0604020202020204" pitchFamily="34" charset="0"/>
+              <a:cs typeface="Arial" panose="020B0604020202020204" pitchFamily="34" charset="0"/>
+            </a:endParaRPr>
+          </a:p>
+        </p:txBody>
+      </p:sp>
+      <p:sp>
+        <p:nvSpPr>
+          <p:cNvPr id="14" name="TextBox 13">
+            <a:extLst>
+              <a:ext uri="{FF2B5EF4-FFF2-40B4-BE49-F238E27FC236}">
+                <a16:creationId xmlns:a16="http://schemas.microsoft.com/office/drawing/2014/main" id="{1940000C-8F8E-46C3-B1E3-382C8FAFC52E}"/>
+              </a:ext>
+            </a:extLst>
+          </p:cNvPr>
+          <p:cNvSpPr txBox="1"/>
+          <p:nvPr/>
+        </p:nvSpPr>
+        <p:spPr>
+          <a:xfrm>
+            <a:off x="16864717" y="19167165"/>
+            <a:ext cx="10154554" cy="1754326"/>
+          </a:xfrm>
+          <a:prstGeom prst="rect">
+            <a:avLst/>
+          </a:prstGeom>
+          <a:noFill/>
+          <a:ln>
+            <a:solidFill>
+              <a:schemeClr val="bg1"/>
+            </a:solidFill>
+          </a:ln>
+        </p:spPr>
+        <p:txBody>
+          <a:bodyPr wrap="square" rtlCol="0">
+            <a:spAutoFit/>
+          </a:bodyPr>
+          <a:lstStyle/>
+          <a:p>
+            <a:pPr algn="ctr"/>
+            <a:r>
+              <a:rPr lang="en-US" sz="5400" b="1" dirty="0" smtClean="0">
+                <a:ln>
+                  <a:solidFill>
+                    <a:schemeClr val="bg1"/>
+                  </a:solidFill>
+                </a:ln>
+                <a:latin typeface="Arial" panose="020B0604020202020204" pitchFamily="34" charset="0"/>
+                <a:cs typeface="Arial" panose="020B0604020202020204" pitchFamily="34" charset="0"/>
+              </a:rPr>
+              <a:t>University of Florida</a:t>
+            </a:r>
+          </a:p>
+          <a:p>
+            <a:pPr algn="ctr"/>
+            <a:r>
+              <a:rPr lang="en-US" sz="5400" b="1" dirty="0" smtClean="0">
+                <a:ln>
+                  <a:solidFill>
+                    <a:schemeClr val="bg1"/>
+                  </a:solidFill>
+                </a:ln>
+                <a:latin typeface="Arial" panose="020B0604020202020204" pitchFamily="34" charset="0"/>
+                <a:cs typeface="Arial" panose="020B0604020202020204" pitchFamily="34" charset="0"/>
+              </a:rPr>
+              <a:t>Departments : WEC, S.N.R.E</a:t>
+            </a:r>
+            <a:endParaRPr lang="en-US" sz="5400" b="1" dirty="0">
+              <a:ln>
+                <a:solidFill>
+                  <a:schemeClr val="bg1"/>
+                </a:solidFill>
+              </a:ln>
+              <a:latin typeface="Arial" panose="020B0604020202020204" pitchFamily="34" charset="0"/>
+              <a:cs typeface="Arial" panose="020B0604020202020204" pitchFamily="34" charset="0"/>
+            </a:endParaRPr>
+          </a:p>
+        </p:txBody>
+      </p:sp>
     </p:spTree>
     <p:extLst>
       <p:ext uri="{BB962C8B-B14F-4D97-AF65-F5344CB8AC3E}">
